--- a/2. ETL/Flujo_V2.pptx
+++ b/2. ETL/Flujo_V2.pptx
@@ -112,10 +112,6 @@
 </p:presentation>
 </file>
 
-<file path=ppt/revisionInfo.xml><?xml version="1.0" encoding="utf-8"?>
-<p1510:revInfo xmlns:a="http://schemas.openxmlformats.org/drawingml/2006/main" xmlns:r="http://schemas.openxmlformats.org/officeDocument/2006/relationships" xmlns:p1510="http://schemas.microsoft.com/office/powerpoint/2015/10/main"/>
-</file>
-
 <file path=ppt/slideLayouts/slideLayout1.xml><?xml version="1.0" encoding="utf-8"?>
 <p:sldLayout xmlns:a="http://schemas.openxmlformats.org/drawingml/2006/main" xmlns:r="http://schemas.openxmlformats.org/officeDocument/2006/relationships" xmlns:p="http://schemas.openxmlformats.org/presentationml/2006/main" type="title" preserve="1">
   <p:cSld name="Diapositiva de título">
@@ -289,7 +285,7 @@
           <a:p>
             <a:fld id="{AE473AC2-A25C-4A37-8EC1-9E5BDF951C85}" type="slidenum">
               <a:rPr lang="es-CO" smtClean="0"/>
-              <a:t>‹#›</a:t>
+              <a:t>‹Nº›</a:t>
             </a:fld>
             <a:endParaRPr lang="es-CO"/>
           </a:p>
@@ -459,7 +455,7 @@
           <a:p>
             <a:fld id="{AE473AC2-A25C-4A37-8EC1-9E5BDF951C85}" type="slidenum">
               <a:rPr lang="es-CO" smtClean="0"/>
-              <a:t>‹#›</a:t>
+              <a:t>‹Nº›</a:t>
             </a:fld>
             <a:endParaRPr lang="es-CO"/>
           </a:p>
@@ -639,7 +635,7 @@
           <a:p>
             <a:fld id="{AE473AC2-A25C-4A37-8EC1-9E5BDF951C85}" type="slidenum">
               <a:rPr lang="es-CO" smtClean="0"/>
-              <a:t>‹#›</a:t>
+              <a:t>‹Nº›</a:t>
             </a:fld>
             <a:endParaRPr lang="es-CO"/>
           </a:p>
@@ -809,7 +805,7 @@
           <a:p>
             <a:fld id="{AE473AC2-A25C-4A37-8EC1-9E5BDF951C85}" type="slidenum">
               <a:rPr lang="es-CO" smtClean="0"/>
-              <a:t>‹#›</a:t>
+              <a:t>‹Nº›</a:t>
             </a:fld>
             <a:endParaRPr lang="es-CO"/>
           </a:p>
@@ -1053,7 +1049,7 @@
           <a:p>
             <a:fld id="{AE473AC2-A25C-4A37-8EC1-9E5BDF951C85}" type="slidenum">
               <a:rPr lang="es-CO" smtClean="0"/>
-              <a:t>‹#›</a:t>
+              <a:t>‹Nº›</a:t>
             </a:fld>
             <a:endParaRPr lang="es-CO"/>
           </a:p>
@@ -1285,7 +1281,7 @@
           <a:p>
             <a:fld id="{AE473AC2-A25C-4A37-8EC1-9E5BDF951C85}" type="slidenum">
               <a:rPr lang="es-CO" smtClean="0"/>
-              <a:t>‹#›</a:t>
+              <a:t>‹Nº›</a:t>
             </a:fld>
             <a:endParaRPr lang="es-CO"/>
           </a:p>
@@ -1652,7 +1648,7 @@
           <a:p>
             <a:fld id="{AE473AC2-A25C-4A37-8EC1-9E5BDF951C85}" type="slidenum">
               <a:rPr lang="es-CO" smtClean="0"/>
-              <a:t>‹#›</a:t>
+              <a:t>‹Nº›</a:t>
             </a:fld>
             <a:endParaRPr lang="es-CO"/>
           </a:p>
@@ -1770,7 +1766,7 @@
           <a:p>
             <a:fld id="{AE473AC2-A25C-4A37-8EC1-9E5BDF951C85}" type="slidenum">
               <a:rPr lang="es-CO" smtClean="0"/>
-              <a:t>‹#›</a:t>
+              <a:t>‹Nº›</a:t>
             </a:fld>
             <a:endParaRPr lang="es-CO"/>
           </a:p>
@@ -1865,7 +1861,7 @@
           <a:p>
             <a:fld id="{AE473AC2-A25C-4A37-8EC1-9E5BDF951C85}" type="slidenum">
               <a:rPr lang="es-CO" smtClean="0"/>
-              <a:t>‹#›</a:t>
+              <a:t>‹Nº›</a:t>
             </a:fld>
             <a:endParaRPr lang="es-CO"/>
           </a:p>
@@ -2142,7 +2138,7 @@
           <a:p>
             <a:fld id="{AE473AC2-A25C-4A37-8EC1-9E5BDF951C85}" type="slidenum">
               <a:rPr lang="es-CO" smtClean="0"/>
-              <a:t>‹#›</a:t>
+              <a:t>‹Nº›</a:t>
             </a:fld>
             <a:endParaRPr lang="es-CO"/>
           </a:p>
@@ -2399,7 +2395,7 @@
           <a:p>
             <a:fld id="{AE473AC2-A25C-4A37-8EC1-9E5BDF951C85}" type="slidenum">
               <a:rPr lang="es-CO" smtClean="0"/>
-              <a:t>‹#›</a:t>
+              <a:t>‹Nº›</a:t>
             </a:fld>
             <a:endParaRPr lang="es-CO"/>
           </a:p>
@@ -2648,7 +2644,7 @@
           <a:p>
             <a:fld id="{AE473AC2-A25C-4A37-8EC1-9E5BDF951C85}" type="slidenum">
               <a:rPr lang="es-CO" smtClean="0"/>
-              <a:t>‹#›</a:t>
+              <a:t>‹Nº›</a:t>
             </a:fld>
             <a:endParaRPr lang="es-CO"/>
           </a:p>
@@ -3048,16 +3044,6 @@
           <a:p>
             <a:pPr algn="ctr"/>
             <a:r>
-              <a:rPr lang="es-CO" sz="800" dirty="0" err="1">
-                <a:solidFill>
-                  <a:srgbClr val="343437"/>
-                </a:solidFill>
-                <a:ea typeface="MS PGothic" pitchFamily="34" charset="-128"/>
-                <a:cs typeface="Arial"/>
-              </a:rPr>
-              <a:t>Postgres</a:t>
-            </a:r>
-            <a:r>
               <a:rPr lang="es-CO" sz="800" dirty="0">
                 <a:solidFill>
                   <a:srgbClr val="343437"/>
@@ -3065,7 +3051,7 @@
                 <a:ea typeface="MS PGothic" pitchFamily="34" charset="-128"/>
                 <a:cs typeface="Arial"/>
               </a:rPr>
-              <a:t> </a:t>
+              <a:t>Postgres </a:t>
             </a:r>
           </a:p>
         </p:txBody>
@@ -3227,45 +3213,8 @@
                 <a:ea typeface="MS PGothic" pitchFamily="34" charset="-128"/>
                 <a:cs typeface="Arial"/>
               </a:rPr>
-              <a:t>Colombia </a:t>
-            </a:r>
-            <a:r>
-              <a:rPr lang="en-US" sz="1100" kern="1000" spc="50" dirty="0" err="1">
-                <a:solidFill>
-                  <a:prstClr val="white"/>
-                </a:solidFill>
-                <a:ea typeface="MS PGothic" pitchFamily="34" charset="-128"/>
-                <a:cs typeface="Arial"/>
-              </a:rPr>
-              <a:t>Compra</a:t>
-            </a:r>
-            <a:r>
-              <a:rPr lang="en-US" sz="1100" kern="1000" spc="50" dirty="0">
-                <a:solidFill>
-                  <a:prstClr val="white"/>
-                </a:solidFill>
-                <a:ea typeface="MS PGothic" pitchFamily="34" charset="-128"/>
-                <a:cs typeface="Arial"/>
-              </a:rPr>
-              <a:t> </a:t>
-            </a:r>
-            <a:r>
-              <a:rPr lang="en-US" sz="1100" kern="1000" spc="50" dirty="0" err="1">
-                <a:solidFill>
-                  <a:prstClr val="white"/>
-                </a:solidFill>
-                <a:ea typeface="MS PGothic" pitchFamily="34" charset="-128"/>
-                <a:cs typeface="Arial"/>
-              </a:rPr>
-              <a:t>Eficiente</a:t>
-            </a:r>
-            <a:endParaRPr lang="en-US" sz="1100" kern="1000" spc="50" dirty="0">
-              <a:solidFill>
-                <a:prstClr val="white"/>
-              </a:solidFill>
-              <a:ea typeface="MS PGothic" pitchFamily="34" charset="-128"/>
-              <a:cs typeface="Arial"/>
-            </a:endParaRPr>
+              <a:t>Colombia Compra Eficiente</a:t>
+            </a:r>
           </a:p>
         </p:txBody>
       </p:sp>
@@ -3584,7 +3533,7 @@
         </p:nvSpPr>
         <p:spPr bwMode="auto">
           <a:xfrm>
-            <a:off x="5371027" y="1078829"/>
+            <a:off x="4426524" y="1078642"/>
             <a:ext cx="3043087" cy="276999"/>
           </a:xfrm>
           <a:prstGeom prst="rect">
@@ -3602,7 +3551,7 @@
               <a:defRPr/>
             </a:pPr>
             <a:r>
-              <a:rPr lang="en-US" sz="1200" kern="1000" spc="50" dirty="0" smtClean="0">
+              <a:rPr lang="en-US" sz="1200" kern="1000" spc="50" dirty="0">
                 <a:solidFill>
                   <a:prstClr val="white"/>
                 </a:solidFill>
@@ -3611,13 +3560,6 @@
               </a:rPr>
               <a:t>SECOP TOPICS DEPLOYMENT PROCESS</a:t>
             </a:r>
-            <a:endParaRPr lang="en-US" sz="1200" kern="1000" spc="50" dirty="0">
-              <a:solidFill>
-                <a:prstClr val="white"/>
-              </a:solidFill>
-              <a:ea typeface="MS PGothic" pitchFamily="34" charset="-128"/>
-              <a:cs typeface="Arial"/>
-            </a:endParaRPr>
           </a:p>
         </p:txBody>
       </p:sp>
@@ -4618,45 +4560,8 @@
                 <a:ea typeface="MS PGothic" pitchFamily="34" charset="-128"/>
                 <a:cs typeface="Arial"/>
               </a:rPr>
-              <a:t>to Colombia </a:t>
-            </a:r>
-            <a:r>
-              <a:rPr lang="en-US" sz="1000" dirty="0" err="1">
-                <a:solidFill>
-                  <a:srgbClr val="343437"/>
-                </a:solidFill>
-                <a:ea typeface="MS PGothic" pitchFamily="34" charset="-128"/>
-                <a:cs typeface="Arial"/>
-              </a:rPr>
-              <a:t>Compra</a:t>
-            </a:r>
-            <a:r>
-              <a:rPr lang="en-US" sz="1000" dirty="0">
-                <a:solidFill>
-                  <a:srgbClr val="343437"/>
-                </a:solidFill>
-                <a:ea typeface="MS PGothic" pitchFamily="34" charset="-128"/>
-                <a:cs typeface="Arial"/>
-              </a:rPr>
-              <a:t> </a:t>
-            </a:r>
-            <a:r>
-              <a:rPr lang="en-US" sz="1000" dirty="0" err="1">
-                <a:solidFill>
-                  <a:srgbClr val="343437"/>
-                </a:solidFill>
-                <a:ea typeface="MS PGothic" pitchFamily="34" charset="-128"/>
-                <a:cs typeface="Arial"/>
-              </a:rPr>
-              <a:t>Eficiente</a:t>
-            </a:r>
-            <a:endParaRPr lang="en-US" sz="1000" dirty="0">
-              <a:solidFill>
-                <a:srgbClr val="343437"/>
-              </a:solidFill>
-              <a:ea typeface="MS PGothic" pitchFamily="34" charset="-128"/>
-              <a:cs typeface="Arial"/>
-            </a:endParaRPr>
+              <a:t>to Colombia Compra Eficiente</a:t>
+            </a:r>
           </a:p>
         </p:txBody>
       </p:sp>
@@ -5821,7 +5726,7 @@
               <a:defRPr/>
             </a:pPr>
             <a:r>
-              <a:rPr lang="en-US" sz="900" dirty="0" smtClean="0">
+              <a:rPr lang="en-US" sz="900" dirty="0">
                 <a:solidFill>
                   <a:srgbClr val="D4D4D6">
                     <a:lumMod val="25000"/>
@@ -5881,7 +5786,7 @@
           <a:lstStyle/>
           <a:p>
             <a:pPr algn="r"/>
-            <a:endParaRPr lang="en-US" dirty="0" smtClean="0">
+            <a:endParaRPr lang="en-US" dirty="0">
               <a:solidFill>
                 <a:srgbClr val="46B09C"/>
               </a:solidFill>
@@ -5897,7 +5802,7 @@
           </a:p>
           <a:p>
             <a:pPr algn="r"/>
-            <a:endParaRPr lang="en-US" dirty="0" smtClean="0">
+            <a:endParaRPr lang="en-US" dirty="0">
               <a:solidFill>
                 <a:srgbClr val="46B09C"/>
               </a:solidFill>
@@ -5914,18 +5819,13 @@
           <a:p>
             <a:pPr algn="r"/>
             <a:r>
-              <a:rPr lang="en-US" sz="1100" dirty="0" smtClean="0">
+              <a:rPr lang="en-US" sz="1100" dirty="0">
                 <a:solidFill>
                   <a:srgbClr val="46B09C"/>
                 </a:solidFill>
               </a:rPr>
               <a:t>Exploratory data analysis</a:t>
             </a:r>
-            <a:endParaRPr lang="en-US" sz="1100" dirty="0">
-              <a:solidFill>
-                <a:srgbClr val="46B09C"/>
-              </a:solidFill>
-            </a:endParaRPr>
           </a:p>
         </p:txBody>
       </p:sp>
